--- a/doc/cxl.pptx
+++ b/doc/cxl.pptx
@@ -5,7 +5,7 @@
     <p:sldMasterId id="2147483648" r:id="rId1"/>
   </p:sldMasterIdLst>
   <p:notesMasterIdLst>
-    <p:notesMasterId r:id="rId11"/>
+    <p:notesMasterId r:id="rId15"/>
   </p:notesMasterIdLst>
   <p:sldIdLst>
     <p:sldId id="258" r:id="rId2"/>
@@ -17,6 +17,10 @@
     <p:sldId id="265" r:id="rId8"/>
     <p:sldId id="266" r:id="rId9"/>
     <p:sldId id="261" r:id="rId10"/>
+    <p:sldId id="267" r:id="rId11"/>
+    <p:sldId id="327" r:id="rId12"/>
+    <p:sldId id="328" r:id="rId13"/>
+    <p:sldId id="329" r:id="rId14"/>
   </p:sldIdLst>
   <p:sldSz cx="12192000" cy="6858000"/>
   <p:notesSz cx="6858000" cy="9144000"/>
@@ -205,7 +209,7 @@
           <a:p>
             <a:fld id="{C8E20450-72F6-8B47-9B89-CC8B242E56B0}" type="datetimeFigureOut">
               <a:rPr lang="en-US" smtClean="0"/>
-              <a:t>11/4/21</a:t>
+              <a:t>8/10/22</a:t>
             </a:fld>
             <a:endParaRPr lang="en-US"/>
           </a:p>
@@ -724,6 +728,96 @@
 </p:notes>
 </file>
 
+<file path=ppt/notesSlides/notesSlide4.xml><?xml version="1.0" encoding="utf-8"?>
+<p:notes xmlns:a="http://schemas.openxmlformats.org/drawingml/2006/main" xmlns:r="http://schemas.openxmlformats.org/officeDocument/2006/relationships" xmlns:p="http://schemas.openxmlformats.org/presentationml/2006/main">
+  <p:cSld>
+    <p:spTree>
+      <p:nvGrpSpPr>
+        <p:cNvPr id="1" name=""/>
+        <p:cNvGrpSpPr/>
+        <p:nvPr/>
+      </p:nvGrpSpPr>
+      <p:grpSpPr>
+        <a:xfrm>
+          <a:off x="0" y="0"/>
+          <a:ext cx="0" cy="0"/>
+          <a:chOff x="0" y="0"/>
+          <a:chExt cx="0" cy="0"/>
+        </a:xfrm>
+      </p:grpSpPr>
+      <p:sp>
+        <p:nvSpPr>
+          <p:cNvPr id="2" name="Slide Image Placeholder 1"/>
+          <p:cNvSpPr>
+            <a:spLocks noGrp="1" noRot="1" noChangeAspect="1"/>
+          </p:cNvSpPr>
+          <p:nvPr>
+            <p:ph type="sldImg"/>
+          </p:nvPr>
+        </p:nvSpPr>
+        <p:spPr/>
+      </p:sp>
+      <p:sp>
+        <p:nvSpPr>
+          <p:cNvPr id="3" name="Notes Placeholder 2"/>
+          <p:cNvSpPr>
+            <a:spLocks noGrp="1"/>
+          </p:cNvSpPr>
+          <p:nvPr>
+            <p:ph type="body" idx="1"/>
+          </p:nvPr>
+        </p:nvSpPr>
+        <p:spPr/>
+        <p:txBody>
+          <a:bodyPr/>
+          <a:lstStyle/>
+          <a:p>
+            <a:r>
+              <a:rPr lang="en-US" dirty="0"/>
+              <a:t>CXL disaggregated memory – latencies are still debatable </a:t>
+            </a:r>
+          </a:p>
+          <a:p>
+            <a:endParaRPr lang="en-US" dirty="0"/>
+          </a:p>
+        </p:txBody>
+      </p:sp>
+      <p:sp>
+        <p:nvSpPr>
+          <p:cNvPr id="4" name="Slide Number Placeholder 3"/>
+          <p:cNvSpPr>
+            <a:spLocks noGrp="1"/>
+          </p:cNvSpPr>
+          <p:nvPr>
+            <p:ph type="sldNum" sz="quarter" idx="5"/>
+          </p:nvPr>
+        </p:nvSpPr>
+        <p:spPr/>
+        <p:txBody>
+          <a:bodyPr/>
+          <a:lstStyle/>
+          <a:p>
+            <a:fld id="{2C536649-A6AB-4944-B850-656383FA9ED6}" type="slidenum">
+              <a:rPr lang="en-US" smtClean="0"/>
+              <a:t>11</a:t>
+            </a:fld>
+            <a:endParaRPr lang="en-US"/>
+          </a:p>
+        </p:txBody>
+      </p:sp>
+    </p:spTree>
+    <p:extLst>
+      <p:ext uri="{BB962C8B-B14F-4D97-AF65-F5344CB8AC3E}">
+        <p14:creationId xmlns:p14="http://schemas.microsoft.com/office/powerpoint/2010/main" val="3722543678"/>
+      </p:ext>
+    </p:extLst>
+  </p:cSld>
+  <p:clrMapOvr>
+    <a:masterClrMapping/>
+  </p:clrMapOvr>
+</p:notes>
+</file>
+
 <file path=ppt/slideLayouts/slideLayout1.xml><?xml version="1.0" encoding="utf-8"?>
 <p:sldLayout xmlns:a="http://schemas.openxmlformats.org/drawingml/2006/main" xmlns:r="http://schemas.openxmlformats.org/officeDocument/2006/relationships" xmlns:p="http://schemas.openxmlformats.org/presentationml/2006/main" type="title" preserve="1">
   <p:cSld name="Title Slide">
@@ -871,7 +965,7 @@
           <a:p>
             <a:fld id="{E22494EB-70C5-2548-BD35-BE05D85C7344}" type="datetimeFigureOut">
               <a:rPr lang="en-US" smtClean="0"/>
-              <a:t>11/4/21</a:t>
+              <a:t>8/10/22</a:t>
             </a:fld>
             <a:endParaRPr lang="en-US"/>
           </a:p>
@@ -1069,7 +1163,7 @@
           <a:p>
             <a:fld id="{E22494EB-70C5-2548-BD35-BE05D85C7344}" type="datetimeFigureOut">
               <a:rPr lang="en-US" smtClean="0"/>
-              <a:t>11/4/21</a:t>
+              <a:t>8/10/22</a:t>
             </a:fld>
             <a:endParaRPr lang="en-US"/>
           </a:p>
@@ -1277,7 +1371,7 @@
           <a:p>
             <a:fld id="{E22494EB-70C5-2548-BD35-BE05D85C7344}" type="datetimeFigureOut">
               <a:rPr lang="en-US" smtClean="0"/>
-              <a:t>11/4/21</a:t>
+              <a:t>8/10/22</a:t>
             </a:fld>
             <a:endParaRPr lang="en-US"/>
           </a:p>
@@ -1475,7 +1569,7 @@
           <a:p>
             <a:fld id="{E22494EB-70C5-2548-BD35-BE05D85C7344}" type="datetimeFigureOut">
               <a:rPr lang="en-US" smtClean="0"/>
-              <a:t>11/4/21</a:t>
+              <a:t>8/10/22</a:t>
             </a:fld>
             <a:endParaRPr lang="en-US"/>
           </a:p>
@@ -1750,7 +1844,7 @@
           <a:p>
             <a:fld id="{E22494EB-70C5-2548-BD35-BE05D85C7344}" type="datetimeFigureOut">
               <a:rPr lang="en-US" smtClean="0"/>
-              <a:t>11/4/21</a:t>
+              <a:t>8/10/22</a:t>
             </a:fld>
             <a:endParaRPr lang="en-US"/>
           </a:p>
@@ -2015,7 +2109,7 @@
           <a:p>
             <a:fld id="{E22494EB-70C5-2548-BD35-BE05D85C7344}" type="datetimeFigureOut">
               <a:rPr lang="en-US" smtClean="0"/>
-              <a:t>11/4/21</a:t>
+              <a:t>8/10/22</a:t>
             </a:fld>
             <a:endParaRPr lang="en-US"/>
           </a:p>
@@ -2427,7 +2521,7 @@
           <a:p>
             <a:fld id="{E22494EB-70C5-2548-BD35-BE05D85C7344}" type="datetimeFigureOut">
               <a:rPr lang="en-US" smtClean="0"/>
-              <a:t>11/4/21</a:t>
+              <a:t>8/10/22</a:t>
             </a:fld>
             <a:endParaRPr lang="en-US"/>
           </a:p>
@@ -2568,7 +2662,7 @@
           <a:p>
             <a:fld id="{E22494EB-70C5-2548-BD35-BE05D85C7344}" type="datetimeFigureOut">
               <a:rPr lang="en-US" smtClean="0"/>
-              <a:t>11/4/21</a:t>
+              <a:t>8/10/22</a:t>
             </a:fld>
             <a:endParaRPr lang="en-US"/>
           </a:p>
@@ -2681,7 +2775,7 @@
           <a:p>
             <a:fld id="{E22494EB-70C5-2548-BD35-BE05D85C7344}" type="datetimeFigureOut">
               <a:rPr lang="en-US" smtClean="0"/>
-              <a:t>11/4/21</a:t>
+              <a:t>8/10/22</a:t>
             </a:fld>
             <a:endParaRPr lang="en-US"/>
           </a:p>
@@ -2992,7 +3086,7 @@
           <a:p>
             <a:fld id="{E22494EB-70C5-2548-BD35-BE05D85C7344}" type="datetimeFigureOut">
               <a:rPr lang="en-US" smtClean="0"/>
-              <a:t>11/4/21</a:t>
+              <a:t>8/10/22</a:t>
             </a:fld>
             <a:endParaRPr lang="en-US"/>
           </a:p>
@@ -3280,7 +3374,7 @@
           <a:p>
             <a:fld id="{E22494EB-70C5-2548-BD35-BE05D85C7344}" type="datetimeFigureOut">
               <a:rPr lang="en-US" smtClean="0"/>
-              <a:t>11/4/21</a:t>
+              <a:t>8/10/22</a:t>
             </a:fld>
             <a:endParaRPr lang="en-US"/>
           </a:p>
@@ -3521,7 +3615,7 @@
           <a:p>
             <a:fld id="{E22494EB-70C5-2548-BD35-BE05D85C7344}" type="datetimeFigureOut">
               <a:rPr lang="en-US" smtClean="0"/>
-              <a:t>11/4/21</a:t>
+              <a:t>8/10/22</a:t>
             </a:fld>
             <a:endParaRPr lang="en-US"/>
           </a:p>
@@ -4060,6 +4154,639 @@
     <p:extLst>
       <p:ext uri="{BB962C8B-B14F-4D97-AF65-F5344CB8AC3E}">
         <p14:creationId xmlns:p14="http://schemas.microsoft.com/office/powerpoint/2010/main" val="671939619"/>
+      </p:ext>
+    </p:extLst>
+  </p:cSld>
+  <p:clrMapOvr>
+    <a:masterClrMapping/>
+  </p:clrMapOvr>
+</p:sld>
+</file>
+
+<file path=ppt/slides/slide10.xml><?xml version="1.0" encoding="utf-8"?>
+<p:sld xmlns:a="http://schemas.openxmlformats.org/drawingml/2006/main" xmlns:r="http://schemas.openxmlformats.org/officeDocument/2006/relationships" xmlns:p="http://schemas.openxmlformats.org/presentationml/2006/main">
+  <p:cSld>
+    <p:bg>
+      <p:bgPr>
+        <a:solidFill>
+          <a:schemeClr val="bg1"/>
+        </a:solidFill>
+        <a:effectLst/>
+      </p:bgPr>
+    </p:bg>
+    <p:spTree>
+      <p:nvGrpSpPr>
+        <p:cNvPr id="1" name=""/>
+        <p:cNvGrpSpPr/>
+        <p:nvPr/>
+      </p:nvGrpSpPr>
+      <p:grpSpPr>
+        <a:xfrm>
+          <a:off x="0" y="0"/>
+          <a:ext cx="0" cy="0"/>
+          <a:chOff x="0" y="0"/>
+          <a:chExt cx="0" cy="0"/>
+        </a:xfrm>
+      </p:grpSpPr>
+      <p:sp>
+        <p:nvSpPr>
+          <p:cNvPr id="9" name="Rectangle 8">
+            <a:extLst>
+              <a:ext uri="{FF2B5EF4-FFF2-40B4-BE49-F238E27FC236}">
+                <a16:creationId xmlns:a16="http://schemas.microsoft.com/office/drawing/2014/main" id="{42A4FC2C-047E-45A5-965D-8E1E3BF09BC6}"/>
+              </a:ext>
+              <a:ext uri="{C183D7F6-B498-43B3-948B-1728B52AA6E4}">
+                <adec:decorative xmlns:adec="http://schemas.microsoft.com/office/drawing/2017/decorative" val="1"/>
+              </a:ext>
+            </a:extLst>
+          </p:cNvPr>
+          <p:cNvSpPr>
+            <a:spLocks noGrp="1" noRot="1" noChangeAspect="1" noMove="1" noResize="1" noEditPoints="1" noAdjustHandles="1" noChangeArrowheads="1" noChangeShapeType="1" noTextEdit="1"/>
+          </p:cNvSpPr>
+          <p:nvPr>
+            <p:extLst>
+              <p:ext uri="{386F3935-93C4-4BCD-93E2-E3B085C9AB24}">
+                <p16:designElem xmlns:p16="http://schemas.microsoft.com/office/powerpoint/2015/main" val="1"/>
+              </p:ext>
+            </p:extLst>
+          </p:nvPr>
+        </p:nvSpPr>
+        <p:spPr bwMode="white">
+          <a:xfrm>
+            <a:off x="1524" y="0"/>
+            <a:ext cx="12188952" cy="6858000"/>
+          </a:xfrm>
+          <a:prstGeom prst="rect">
+            <a:avLst/>
+          </a:prstGeom>
+          <a:noFill/>
+          <a:ln>
+            <a:noFill/>
+          </a:ln>
+        </p:spPr>
+        <p:style>
+          <a:lnRef idx="2">
+            <a:schemeClr val="accent1">
+              <a:shade val="50000"/>
+            </a:schemeClr>
+          </a:lnRef>
+          <a:fillRef idx="1">
+            <a:schemeClr val="accent1"/>
+          </a:fillRef>
+          <a:effectRef idx="0">
+            <a:schemeClr val="accent1"/>
+          </a:effectRef>
+          <a:fontRef idx="minor">
+            <a:schemeClr val="lt1"/>
+          </a:fontRef>
+        </p:style>
+        <p:txBody>
+          <a:bodyPr rtlCol="0" anchor="ctr"/>
+          <a:lstStyle>
+            <a:defPPr>
+              <a:defRPr lang="en-US"/>
+            </a:defPPr>
+            <a:lvl1pPr marL="0" algn="l" defTabSz="914400" rtl="0" eaLnBrk="1" latinLnBrk="0" hangingPunct="1">
+              <a:defRPr sz="1800" kern="1200">
+                <a:solidFill>
+                  <a:schemeClr val="lt1"/>
+                </a:solidFill>
+                <a:latin typeface="+mn-lt"/>
+                <a:ea typeface="+mn-ea"/>
+                <a:cs typeface="+mn-cs"/>
+              </a:defRPr>
+            </a:lvl1pPr>
+            <a:lvl2pPr marL="457200" algn="l" defTabSz="914400" rtl="0" eaLnBrk="1" latinLnBrk="0" hangingPunct="1">
+              <a:defRPr sz="1800" kern="1200">
+                <a:solidFill>
+                  <a:schemeClr val="lt1"/>
+                </a:solidFill>
+                <a:latin typeface="+mn-lt"/>
+                <a:ea typeface="+mn-ea"/>
+                <a:cs typeface="+mn-cs"/>
+              </a:defRPr>
+            </a:lvl2pPr>
+            <a:lvl3pPr marL="914400" algn="l" defTabSz="914400" rtl="0" eaLnBrk="1" latinLnBrk="0" hangingPunct="1">
+              <a:defRPr sz="1800" kern="1200">
+                <a:solidFill>
+                  <a:schemeClr val="lt1"/>
+                </a:solidFill>
+                <a:latin typeface="+mn-lt"/>
+                <a:ea typeface="+mn-ea"/>
+                <a:cs typeface="+mn-cs"/>
+              </a:defRPr>
+            </a:lvl3pPr>
+            <a:lvl4pPr marL="1371600" algn="l" defTabSz="914400" rtl="0" eaLnBrk="1" latinLnBrk="0" hangingPunct="1">
+              <a:defRPr sz="1800" kern="1200">
+                <a:solidFill>
+                  <a:schemeClr val="lt1"/>
+                </a:solidFill>
+                <a:latin typeface="+mn-lt"/>
+                <a:ea typeface="+mn-ea"/>
+                <a:cs typeface="+mn-cs"/>
+              </a:defRPr>
+            </a:lvl4pPr>
+            <a:lvl5pPr marL="1828800" algn="l" defTabSz="914400" rtl="0" eaLnBrk="1" latinLnBrk="0" hangingPunct="1">
+              <a:defRPr sz="1800" kern="1200">
+                <a:solidFill>
+                  <a:schemeClr val="lt1"/>
+                </a:solidFill>
+                <a:latin typeface="+mn-lt"/>
+                <a:ea typeface="+mn-ea"/>
+                <a:cs typeface="+mn-cs"/>
+              </a:defRPr>
+            </a:lvl5pPr>
+            <a:lvl6pPr marL="2286000" algn="l" defTabSz="914400" rtl="0" eaLnBrk="1" latinLnBrk="0" hangingPunct="1">
+              <a:defRPr sz="1800" kern="1200">
+                <a:solidFill>
+                  <a:schemeClr val="lt1"/>
+                </a:solidFill>
+                <a:latin typeface="+mn-lt"/>
+                <a:ea typeface="+mn-ea"/>
+                <a:cs typeface="+mn-cs"/>
+              </a:defRPr>
+            </a:lvl6pPr>
+            <a:lvl7pPr marL="2743200" algn="l" defTabSz="914400" rtl="0" eaLnBrk="1" latinLnBrk="0" hangingPunct="1">
+              <a:defRPr sz="1800" kern="1200">
+                <a:solidFill>
+                  <a:schemeClr val="lt1"/>
+                </a:solidFill>
+                <a:latin typeface="+mn-lt"/>
+                <a:ea typeface="+mn-ea"/>
+                <a:cs typeface="+mn-cs"/>
+              </a:defRPr>
+            </a:lvl7pPr>
+            <a:lvl8pPr marL="3200400" algn="l" defTabSz="914400" rtl="0" eaLnBrk="1" latinLnBrk="0" hangingPunct="1">
+              <a:defRPr sz="1800" kern="1200">
+                <a:solidFill>
+                  <a:schemeClr val="lt1"/>
+                </a:solidFill>
+                <a:latin typeface="+mn-lt"/>
+                <a:ea typeface="+mn-ea"/>
+                <a:cs typeface="+mn-cs"/>
+              </a:defRPr>
+            </a:lvl8pPr>
+            <a:lvl9pPr marL="3657600" algn="l" defTabSz="914400" rtl="0" eaLnBrk="1" latinLnBrk="0" hangingPunct="1">
+              <a:defRPr sz="1800" kern="1200">
+                <a:solidFill>
+                  <a:schemeClr val="lt1"/>
+                </a:solidFill>
+                <a:latin typeface="+mn-lt"/>
+                <a:ea typeface="+mn-ea"/>
+                <a:cs typeface="+mn-cs"/>
+              </a:defRPr>
+            </a:lvl9pPr>
+          </a:lstStyle>
+          <a:p>
+            <a:pPr algn="ctr"/>
+            <a:endParaRPr lang="en-US"/>
+          </a:p>
+        </p:txBody>
+      </p:sp>
+      <p:pic>
+        <p:nvPicPr>
+          <p:cNvPr id="4" name="Picture 3">
+            <a:extLst>
+              <a:ext uri="{FF2B5EF4-FFF2-40B4-BE49-F238E27FC236}">
+                <a16:creationId xmlns:a16="http://schemas.microsoft.com/office/drawing/2014/main" id="{86BD65B6-70EA-5547-A1F0-E917FA1FE409}"/>
+              </a:ext>
+            </a:extLst>
+          </p:cNvPr>
+          <p:cNvPicPr>
+            <a:picLocks noChangeAspect="1"/>
+          </p:cNvPicPr>
+          <p:nvPr/>
+        </p:nvPicPr>
+        <p:blipFill rotWithShape="1">
+          <a:blip r:embed="rId2"/>
+          <a:srcRect l="426" r="-1" b="-1"/>
+          <a:stretch/>
+        </p:blipFill>
+        <p:spPr>
+          <a:xfrm>
+            <a:off x="20" y="1282"/>
+            <a:ext cx="12191980" cy="6856718"/>
+          </a:xfrm>
+          <a:prstGeom prst="rect">
+            <a:avLst/>
+          </a:prstGeom>
+        </p:spPr>
+      </p:pic>
+    </p:spTree>
+    <p:extLst>
+      <p:ext uri="{BB962C8B-B14F-4D97-AF65-F5344CB8AC3E}">
+        <p14:creationId xmlns:p14="http://schemas.microsoft.com/office/powerpoint/2010/main" val="4239338937"/>
+      </p:ext>
+    </p:extLst>
+  </p:cSld>
+  <p:clrMapOvr>
+    <a:masterClrMapping/>
+  </p:clrMapOvr>
+</p:sld>
+</file>
+
+<file path=ppt/slides/slide11.xml><?xml version="1.0" encoding="utf-8"?>
+<p:sld xmlns:a="http://schemas.openxmlformats.org/drawingml/2006/main" xmlns:r="http://schemas.openxmlformats.org/officeDocument/2006/relationships" xmlns:p="http://schemas.openxmlformats.org/presentationml/2006/main">
+  <p:cSld>
+    <p:spTree>
+      <p:nvGrpSpPr>
+        <p:cNvPr id="1" name=""/>
+        <p:cNvGrpSpPr/>
+        <p:nvPr/>
+      </p:nvGrpSpPr>
+      <p:grpSpPr>
+        <a:xfrm>
+          <a:off x="0" y="0"/>
+          <a:ext cx="0" cy="0"/>
+          <a:chOff x="0" y="0"/>
+          <a:chExt cx="0" cy="0"/>
+        </a:xfrm>
+      </p:grpSpPr>
+      <p:sp>
+        <p:nvSpPr>
+          <p:cNvPr id="2" name="Title 1">
+            <a:extLst>
+              <a:ext uri="{FF2B5EF4-FFF2-40B4-BE49-F238E27FC236}">
+                <a16:creationId xmlns:a16="http://schemas.microsoft.com/office/drawing/2014/main" id="{C59BA70F-F5EF-F04D-8A36-15B21512A70E}"/>
+              </a:ext>
+            </a:extLst>
+          </p:cNvPr>
+          <p:cNvSpPr>
+            <a:spLocks noGrp="1"/>
+          </p:cNvSpPr>
+          <p:nvPr>
+            <p:ph type="title"/>
+          </p:nvPr>
+        </p:nvSpPr>
+        <p:spPr/>
+        <p:txBody>
+          <a:bodyPr/>
+          <a:lstStyle/>
+          <a:p>
+            <a:r>
+              <a:rPr lang="en-US" dirty="0"/>
+              <a:t>CXL Memory</a:t>
+            </a:r>
+          </a:p>
+        </p:txBody>
+      </p:sp>
+      <p:sp>
+        <p:nvSpPr>
+          <p:cNvPr id="3" name="Content Placeholder 2">
+            <a:extLst>
+              <a:ext uri="{FF2B5EF4-FFF2-40B4-BE49-F238E27FC236}">
+                <a16:creationId xmlns:a16="http://schemas.microsoft.com/office/drawing/2014/main" id="{EED4284D-D6A2-C84F-A8E6-D5DC1F250C8C}"/>
+              </a:ext>
+            </a:extLst>
+          </p:cNvPr>
+          <p:cNvSpPr>
+            <a:spLocks noGrp="1"/>
+          </p:cNvSpPr>
+          <p:nvPr>
+            <p:ph idx="1"/>
+          </p:nvPr>
+        </p:nvSpPr>
+        <p:spPr/>
+        <p:txBody>
+          <a:bodyPr/>
+          <a:lstStyle/>
+          <a:p>
+            <a:r>
+              <a:rPr lang="en-US" dirty="0"/>
+              <a:t>2-3 times slower</a:t>
+            </a:r>
+          </a:p>
+          <a:p>
+            <a:r>
+              <a:rPr lang="en-US" dirty="0"/>
+              <a:t>App degradation could be much lower?</a:t>
+            </a:r>
+          </a:p>
+          <a:p>
+            <a:pPr marL="0" indent="0">
+              <a:buNone/>
+            </a:pPr>
+            <a:endParaRPr lang="en-US" dirty="0"/>
+          </a:p>
+        </p:txBody>
+      </p:sp>
+      <p:pic>
+        <p:nvPicPr>
+          <p:cNvPr id="6" name="Picture 5">
+            <a:extLst>
+              <a:ext uri="{FF2B5EF4-FFF2-40B4-BE49-F238E27FC236}">
+                <a16:creationId xmlns:a16="http://schemas.microsoft.com/office/drawing/2014/main" id="{BA723895-AAAD-984A-9A44-D4BB2CA3B65F}"/>
+              </a:ext>
+            </a:extLst>
+          </p:cNvPr>
+          <p:cNvPicPr>
+            <a:picLocks noChangeAspect="1"/>
+          </p:cNvPicPr>
+          <p:nvPr/>
+        </p:nvPicPr>
+        <p:blipFill>
+          <a:blip r:embed="rId3"/>
+          <a:stretch>
+            <a:fillRect/>
+          </a:stretch>
+        </p:blipFill>
+        <p:spPr>
+          <a:xfrm>
+            <a:off x="7512061" y="1342098"/>
+            <a:ext cx="4272562" cy="2155666"/>
+          </a:xfrm>
+          <a:prstGeom prst="rect">
+            <a:avLst/>
+          </a:prstGeom>
+          <a:ln>
+            <a:solidFill>
+              <a:schemeClr val="tx1"/>
+            </a:solidFill>
+          </a:ln>
+        </p:spPr>
+      </p:pic>
+      <p:pic>
+        <p:nvPicPr>
+          <p:cNvPr id="7" name="Picture 6">
+            <a:extLst>
+              <a:ext uri="{FF2B5EF4-FFF2-40B4-BE49-F238E27FC236}">
+                <a16:creationId xmlns:a16="http://schemas.microsoft.com/office/drawing/2014/main" id="{446D8D96-DF46-5F49-99CF-ECB5530B1A52}"/>
+              </a:ext>
+            </a:extLst>
+          </p:cNvPr>
+          <p:cNvPicPr>
+            <a:picLocks noChangeAspect="1"/>
+          </p:cNvPicPr>
+          <p:nvPr/>
+        </p:nvPicPr>
+        <p:blipFill>
+          <a:blip r:embed="rId4"/>
+          <a:stretch>
+            <a:fillRect/>
+          </a:stretch>
+        </p:blipFill>
+        <p:spPr>
+          <a:xfrm>
+            <a:off x="1096303" y="3626437"/>
+            <a:ext cx="10688320" cy="2421852"/>
+          </a:xfrm>
+          <a:prstGeom prst="rect">
+            <a:avLst/>
+          </a:prstGeom>
+          <a:ln>
+            <a:solidFill>
+              <a:schemeClr val="tx1"/>
+            </a:solidFill>
+          </a:ln>
+        </p:spPr>
+      </p:pic>
+    </p:spTree>
+    <p:extLst>
+      <p:ext uri="{BB962C8B-B14F-4D97-AF65-F5344CB8AC3E}">
+        <p14:creationId xmlns:p14="http://schemas.microsoft.com/office/powerpoint/2010/main" val="2793233186"/>
+      </p:ext>
+    </p:extLst>
+  </p:cSld>
+  <p:clrMapOvr>
+    <a:masterClrMapping/>
+  </p:clrMapOvr>
+</p:sld>
+</file>
+
+<file path=ppt/slides/slide12.xml><?xml version="1.0" encoding="utf-8"?>
+<p:sld xmlns:a="http://schemas.openxmlformats.org/drawingml/2006/main" xmlns:r="http://schemas.openxmlformats.org/officeDocument/2006/relationships" xmlns:p="http://schemas.openxmlformats.org/presentationml/2006/main">
+  <p:cSld>
+    <p:spTree>
+      <p:nvGrpSpPr>
+        <p:cNvPr id="1" name=""/>
+        <p:cNvGrpSpPr/>
+        <p:nvPr/>
+      </p:nvGrpSpPr>
+      <p:grpSpPr>
+        <a:xfrm>
+          <a:off x="0" y="0"/>
+          <a:ext cx="0" cy="0"/>
+          <a:chOff x="0" y="0"/>
+          <a:chExt cx="0" cy="0"/>
+        </a:xfrm>
+      </p:grpSpPr>
+      <p:sp>
+        <p:nvSpPr>
+          <p:cNvPr id="2" name="Title 1">
+            <a:extLst>
+              <a:ext uri="{FF2B5EF4-FFF2-40B4-BE49-F238E27FC236}">
+                <a16:creationId xmlns:a16="http://schemas.microsoft.com/office/drawing/2014/main" id="{9444E664-8623-4543-B071-8E3DE94A77EB}"/>
+              </a:ext>
+            </a:extLst>
+          </p:cNvPr>
+          <p:cNvSpPr>
+            <a:spLocks noGrp="1"/>
+          </p:cNvSpPr>
+          <p:nvPr>
+            <p:ph type="title"/>
+          </p:nvPr>
+        </p:nvSpPr>
+        <p:spPr/>
+        <p:txBody>
+          <a:bodyPr/>
+          <a:lstStyle/>
+          <a:p>
+            <a:r>
+              <a:rPr lang="en-US" dirty="0"/>
+              <a:t>CXL Rack Setting</a:t>
+            </a:r>
+          </a:p>
+        </p:txBody>
+      </p:sp>
+      <p:sp>
+        <p:nvSpPr>
+          <p:cNvPr id="3" name="Content Placeholder 2">
+            <a:extLst>
+              <a:ext uri="{FF2B5EF4-FFF2-40B4-BE49-F238E27FC236}">
+                <a16:creationId xmlns:a16="http://schemas.microsoft.com/office/drawing/2014/main" id="{02612AC8-0214-744D-AACA-46466B2F8226}"/>
+              </a:ext>
+            </a:extLst>
+          </p:cNvPr>
+          <p:cNvSpPr>
+            <a:spLocks noGrp="1"/>
+          </p:cNvSpPr>
+          <p:nvPr>
+            <p:ph idx="1"/>
+          </p:nvPr>
+        </p:nvSpPr>
+        <p:spPr>
+          <a:xfrm>
+            <a:off x="838199" y="1825625"/>
+            <a:ext cx="5896709" cy="4351338"/>
+          </a:xfrm>
+        </p:spPr>
+        <p:txBody>
+          <a:bodyPr>
+            <a:normAutofit/>
+          </a:bodyPr>
+          <a:lstStyle/>
+          <a:p>
+            <a:r>
+              <a:rPr lang="en-US" sz="2400" dirty="0"/>
+              <a:t>Memory Pooling (CXL 2.0)</a:t>
+            </a:r>
+          </a:p>
+          <a:p>
+            <a:r>
+              <a:rPr lang="en-US" sz="2400" dirty="0"/>
+              <a:t>Non-shared logical memory devices</a:t>
+            </a:r>
+          </a:p>
+          <a:p>
+            <a:r>
+              <a:rPr lang="en-US" sz="2400" dirty="0"/>
+              <a:t>How do you allocate? </a:t>
+            </a:r>
+            <a:r>
+              <a:rPr lang="en-US" sz="2400" dirty="0" err="1"/>
+              <a:t>Mmap</a:t>
+            </a:r>
+            <a:r>
+              <a:rPr lang="en-US" sz="2400" dirty="0"/>
+              <a:t>? Anon pages?</a:t>
+            </a:r>
+          </a:p>
+          <a:p>
+            <a:r>
+              <a:rPr lang="en-US" sz="2400" dirty="0"/>
+              <a:t>Tiered memory or pure CXL?</a:t>
+            </a:r>
+          </a:p>
+          <a:p>
+            <a:r>
+              <a:rPr lang="en-US" sz="2400" dirty="0"/>
+              <a:t>How do you migrate b/w local and CXL-backed DRAM?</a:t>
+            </a:r>
+          </a:p>
+        </p:txBody>
+      </p:sp>
+      <p:pic>
+        <p:nvPicPr>
+          <p:cNvPr id="4" name="Picture 3">
+            <a:extLst>
+              <a:ext uri="{FF2B5EF4-FFF2-40B4-BE49-F238E27FC236}">
+                <a16:creationId xmlns:a16="http://schemas.microsoft.com/office/drawing/2014/main" id="{FC2E4932-DFDF-C948-BD59-7BD0F33A1E20}"/>
+              </a:ext>
+            </a:extLst>
+          </p:cNvPr>
+          <p:cNvPicPr>
+            <a:picLocks noChangeAspect="1"/>
+          </p:cNvPicPr>
+          <p:nvPr/>
+        </p:nvPicPr>
+        <p:blipFill>
+          <a:blip r:embed="rId2"/>
+          <a:stretch>
+            <a:fillRect/>
+          </a:stretch>
+        </p:blipFill>
+        <p:spPr>
+          <a:xfrm>
+            <a:off x="6994056" y="1758699"/>
+            <a:ext cx="4872773" cy="2695577"/>
+          </a:xfrm>
+          <a:prstGeom prst="rect">
+            <a:avLst/>
+          </a:prstGeom>
+          <a:ln>
+            <a:solidFill>
+              <a:schemeClr val="tx1"/>
+            </a:solidFill>
+          </a:ln>
+        </p:spPr>
+      </p:pic>
+    </p:spTree>
+    <p:extLst>
+      <p:ext uri="{BB962C8B-B14F-4D97-AF65-F5344CB8AC3E}">
+        <p14:creationId xmlns:p14="http://schemas.microsoft.com/office/powerpoint/2010/main" val="992302569"/>
+      </p:ext>
+    </p:extLst>
+  </p:cSld>
+  <p:clrMapOvr>
+    <a:masterClrMapping/>
+  </p:clrMapOvr>
+</p:sld>
+</file>
+
+<file path=ppt/slides/slide13.xml><?xml version="1.0" encoding="utf-8"?>
+<p:sld xmlns:a="http://schemas.openxmlformats.org/drawingml/2006/main" xmlns:r="http://schemas.openxmlformats.org/officeDocument/2006/relationships" xmlns:p="http://schemas.openxmlformats.org/presentationml/2006/main">
+  <p:cSld>
+    <p:spTree>
+      <p:nvGrpSpPr>
+        <p:cNvPr id="1" name=""/>
+        <p:cNvGrpSpPr/>
+        <p:nvPr/>
+      </p:nvGrpSpPr>
+      <p:grpSpPr>
+        <a:xfrm>
+          <a:off x="0" y="0"/>
+          <a:ext cx="0" cy="0"/>
+          <a:chOff x="0" y="0"/>
+          <a:chExt cx="0" cy="0"/>
+        </a:xfrm>
+      </p:grpSpPr>
+      <p:sp>
+        <p:nvSpPr>
+          <p:cNvPr id="2" name="Title 1">
+            <a:extLst>
+              <a:ext uri="{FF2B5EF4-FFF2-40B4-BE49-F238E27FC236}">
+                <a16:creationId xmlns:a16="http://schemas.microsoft.com/office/drawing/2014/main" id="{FD08D3D6-45E3-3640-A282-B9DE77118774}"/>
+              </a:ext>
+            </a:extLst>
+          </p:cNvPr>
+          <p:cNvSpPr>
+            <a:spLocks noGrp="1"/>
+          </p:cNvSpPr>
+          <p:nvPr>
+            <p:ph type="title"/>
+          </p:nvPr>
+        </p:nvSpPr>
+        <p:spPr/>
+        <p:txBody>
+          <a:bodyPr/>
+          <a:lstStyle/>
+          <a:p>
+            <a:r>
+              <a:rPr lang="en-US" dirty="0"/>
+              <a:t>CXL Forum</a:t>
+            </a:r>
+          </a:p>
+        </p:txBody>
+      </p:sp>
+      <p:sp>
+        <p:nvSpPr>
+          <p:cNvPr id="3" name="Content Placeholder 2">
+            <a:extLst>
+              <a:ext uri="{FF2B5EF4-FFF2-40B4-BE49-F238E27FC236}">
+                <a16:creationId xmlns:a16="http://schemas.microsoft.com/office/drawing/2014/main" id="{FB208370-6281-464C-A97F-C3819404F016}"/>
+              </a:ext>
+            </a:extLst>
+          </p:cNvPr>
+          <p:cNvSpPr>
+            <a:spLocks noGrp="1"/>
+          </p:cNvSpPr>
+          <p:nvPr>
+            <p:ph idx="1"/>
+          </p:nvPr>
+        </p:nvSpPr>
+        <p:spPr/>
+        <p:txBody>
+          <a:bodyPr/>
+          <a:lstStyle/>
+          <a:p>
+            <a:endParaRPr lang="en-US"/>
+          </a:p>
+        </p:txBody>
+      </p:sp>
+    </p:spTree>
+    <p:extLst>
+      <p:ext uri="{BB962C8B-B14F-4D97-AF65-F5344CB8AC3E}">
+        <p14:creationId xmlns:p14="http://schemas.microsoft.com/office/powerpoint/2010/main" val="549351966"/>
       </p:ext>
     </p:extLst>
   </p:cSld>
